--- a/Presentatie_On_Track.pptx
+++ b/Presentatie_On_Track.pptx
@@ -5,7 +5,7 @@
     <p:sldMasterId id="2147483659" r:id="rId1"/>
   </p:sldMasterIdLst>
   <p:notesMasterIdLst>
-    <p:notesMasterId r:id="rId15"/>
+    <p:notesMasterId r:id="rId16"/>
   </p:notesMasterIdLst>
   <p:sldIdLst>
     <p:sldId id="256" r:id="rId2"/>
@@ -18,9 +18,10 @@
     <p:sldId id="260" r:id="rId9"/>
     <p:sldId id="273" r:id="rId10"/>
     <p:sldId id="270" r:id="rId11"/>
-    <p:sldId id="274" r:id="rId12"/>
-    <p:sldId id="261" r:id="rId13"/>
-    <p:sldId id="275" r:id="rId14"/>
+    <p:sldId id="276" r:id="rId12"/>
+    <p:sldId id="274" r:id="rId13"/>
+    <p:sldId id="261" r:id="rId14"/>
+    <p:sldId id="275" r:id="rId15"/>
   </p:sldIdLst>
   <p:sldSz cx="9144000" cy="5143500" type="screen16x9"/>
   <p:notesSz cx="6858000" cy="9144000"/>
@@ -228,7 +229,7 @@
   </p:defaultTextStyle>
   <p:extLst>
     <p:ext uri="{EFAFB233-063F-42B5-8137-9DF3F51BA10A}">
-      <p15:sldGuideLst xmlns:p15="http://schemas.microsoft.com/office/powerpoint/2012/main">
+      <p15:sldGuideLst xmlns:p15="http://schemas.microsoft.com/office/powerpoint/2012/main" xmlns="">
         <p15:guide id="1" orient="horz" pos="1620">
           <p15:clr>
             <a:srgbClr val="A4A3A4"/>
@@ -248,7 +249,7 @@
 <file path=ppt/charts/chart1.xml><?xml version="1.0" encoding="utf-8"?>
 <c:chartSpace xmlns:c="http://schemas.openxmlformats.org/drawingml/2006/chart" xmlns:a="http://schemas.openxmlformats.org/drawingml/2006/main" xmlns:r="http://schemas.openxmlformats.org/officeDocument/2006/relationships">
   <c:date1904 val="0"/>
-  <c:lang val="en-US"/>
+  <c:lang val="nl-NL"/>
   <c:roundedCorners val="0"/>
   <mc:AlternateContent xmlns:mc="http://schemas.openxmlformats.org/markup-compatibility/2006">
     <mc:Choice xmlns:c14="http://schemas.microsoft.com/office/drawing/2007/8/2/chart" Requires="c14">
@@ -3309,11 +3310,11 @@
           <c:showPercent val="0"/>
           <c:showBubbleSize val="0"/>
         </c:dLbls>
-        <c:axId val="1336997552"/>
-        <c:axId val="1336991568"/>
+        <c:axId val="279462656"/>
+        <c:axId val="279464576"/>
       </c:scatterChart>
       <c:valAx>
-        <c:axId val="1336997552"/>
+        <c:axId val="279462656"/>
         <c:scaling>
           <c:orientation val="minMax"/>
         </c:scaling>
@@ -3368,26 +3369,6 @@
             </a:ln>
             <a:effectLst/>
           </c:spPr>
-          <c:txPr>
-            <a:bodyPr rot="0" spcFirstLastPara="1" vertOverflow="ellipsis" vert="horz" wrap="square" anchor="ctr" anchorCtr="1"/>
-            <a:lstStyle/>
-            <a:p>
-              <a:pPr>
-                <a:defRPr sz="1000" b="0" i="0" u="none" strike="noStrike" kern="1200" baseline="0">
-                  <a:solidFill>
-                    <a:schemeClr val="tx1">
-                      <a:lumMod val="65000"/>
-                      <a:lumOff val="35000"/>
-                    </a:schemeClr>
-                  </a:solidFill>
-                  <a:latin typeface="+mn-lt"/>
-                  <a:ea typeface="+mn-ea"/>
-                  <a:cs typeface="+mn-cs"/>
-                </a:defRPr>
-              </a:pPr>
-              <a:endParaRPr lang="nl-NL"/>
-            </a:p>
-          </c:txPr>
         </c:title>
         <c:majorTickMark val="none"/>
         <c:minorTickMark val="none"/>
@@ -3425,12 +3406,12 @@
             <a:endParaRPr lang="nl-NL"/>
           </a:p>
         </c:txPr>
-        <c:crossAx val="1336991568"/>
+        <c:crossAx val="279464576"/>
         <c:crosses val="autoZero"/>
         <c:crossBetween val="midCat"/>
       </c:valAx>
       <c:valAx>
-        <c:axId val="1336991568"/>
+        <c:axId val="279464576"/>
         <c:scaling>
           <c:orientation val="minMax"/>
         </c:scaling>
@@ -3485,26 +3466,6 @@
             </a:ln>
             <a:effectLst/>
           </c:spPr>
-          <c:txPr>
-            <a:bodyPr rot="-5400000" spcFirstLastPara="1" vertOverflow="ellipsis" vert="horz" wrap="square" anchor="ctr" anchorCtr="1"/>
-            <a:lstStyle/>
-            <a:p>
-              <a:pPr>
-                <a:defRPr sz="1000" b="0" i="0" u="none" strike="noStrike" kern="1200" baseline="0">
-                  <a:solidFill>
-                    <a:schemeClr val="tx1">
-                      <a:lumMod val="65000"/>
-                      <a:lumOff val="35000"/>
-                    </a:schemeClr>
-                  </a:solidFill>
-                  <a:latin typeface="+mn-lt"/>
-                  <a:ea typeface="+mn-ea"/>
-                  <a:cs typeface="+mn-cs"/>
-                </a:defRPr>
-              </a:pPr>
-              <a:endParaRPr lang="nl-NL"/>
-            </a:p>
-          </c:txPr>
         </c:title>
         <c:numFmt formatCode="General" sourceLinked="1"/>
         <c:majorTickMark val="none"/>
@@ -3543,7 +3504,7 @@
             <a:endParaRPr lang="nl-NL"/>
           </a:p>
         </c:txPr>
-        <c:crossAx val="1336997552"/>
+        <c:crossAx val="279462656"/>
         <c:crosses val="autoZero"/>
         <c:crossBetween val="midCat"/>
       </c:valAx>
@@ -3576,7 +3537,7 @@
       <a:endParaRPr lang="nl-NL"/>
     </a:p>
   </c:txPr>
-  <c:externalData r:id="rId3">
+  <c:externalData r:id="rId1">
     <c:autoUpdate val="0"/>
   </c:externalData>
 </c:chartSpace>
@@ -5453,7 +5414,7 @@
                 <a:cs typeface="Arial"/>
                 <a:sym typeface="Arial"/>
               </a:rPr>
-              <a:t>‹#›</a:t>
+              <a:t>‹nr.›</a:t>
             </a:fld>
             <a:endParaRPr lang="en-GB" sz="1400" b="0" i="0" u="none" strike="noStrike" cap="none">
               <a:solidFill>
@@ -6000,7 +5961,7 @@
                 <a:cs typeface="Arial"/>
                 <a:sym typeface="Arial"/>
               </a:rPr>
-              <a:t>‹#›</a:t>
+              <a:t>‹nr.›</a:t>
             </a:fld>
             <a:endParaRPr lang="en-GB" sz="1400" b="0" i="0" u="none" strike="noStrike" cap="none">
               <a:solidFill>
@@ -6095,7 +6056,7 @@
                 <a:cs typeface="Arial"/>
                 <a:sym typeface="Arial"/>
               </a:rPr>
-              <a:t>‹#›</a:t>
+              <a:t>‹nr.›</a:t>
             </a:fld>
             <a:endParaRPr lang="en-GB" sz="1400" b="0" i="0" u="none" strike="noStrike" cap="none">
               <a:solidFill>
@@ -6642,7 +6603,7 @@
                 <a:cs typeface="Arial"/>
                 <a:sym typeface="Arial"/>
               </a:rPr>
-              <a:t>‹#›</a:t>
+              <a:t>‹nr.›</a:t>
             </a:fld>
             <a:endParaRPr lang="en-GB" sz="1400" b="0" i="0" u="none" strike="noStrike" cap="none">
               <a:solidFill>
@@ -6923,7 +6884,7 @@
                 <a:cs typeface="Arial"/>
                 <a:sym typeface="Arial"/>
               </a:rPr>
-              <a:t>‹#›</a:t>
+              <a:t>‹nr.›</a:t>
             </a:fld>
             <a:endParaRPr lang="en-GB" sz="1400" b="0" i="0" u="none" strike="noStrike" cap="none">
               <a:solidFill>
@@ -7736,7 +7697,7 @@
                 <a:cs typeface="Arial"/>
                 <a:sym typeface="Arial"/>
               </a:rPr>
-              <a:t>‹#›</a:t>
+              <a:t>‹nr.›</a:t>
             </a:fld>
             <a:endParaRPr lang="en-GB" sz="1400" b="0" i="0" u="none" strike="noStrike" cap="none">
               <a:solidFill>
@@ -8017,7 +7978,7 @@
                 <a:cs typeface="Arial"/>
                 <a:sym typeface="Arial"/>
               </a:rPr>
-              <a:t>‹#›</a:t>
+              <a:t>‹nr.›</a:t>
             </a:fld>
             <a:endParaRPr lang="en-GB" sz="1400" b="0" i="0" u="none" strike="noStrike" cap="none">
               <a:solidFill>
@@ -8564,7 +8525,7 @@
                 <a:cs typeface="Arial"/>
                 <a:sym typeface="Arial"/>
               </a:rPr>
-              <a:t>‹#›</a:t>
+              <a:t>‹nr.›</a:t>
             </a:fld>
             <a:endParaRPr lang="en-GB" sz="1400" b="0" i="0" u="none" strike="noStrike" cap="none">
               <a:solidFill>
@@ -8845,7 +8806,7 @@
                 <a:cs typeface="Arial"/>
                 <a:sym typeface="Arial"/>
               </a:rPr>
-              <a:t>‹#›</a:t>
+              <a:t>‹nr.›</a:t>
             </a:fld>
             <a:endParaRPr lang="en-GB" sz="1400" b="0" i="0" u="none" strike="noStrike" cap="none">
               <a:solidFill>
@@ -9714,7 +9675,7 @@
                 <a:cs typeface="Arial"/>
                 <a:sym typeface="Arial"/>
               </a:rPr>
-              <a:t>‹#›</a:t>
+              <a:t>‹nr.›</a:t>
             </a:fld>
             <a:endParaRPr lang="en-GB" sz="1400" b="0" i="0" u="none" strike="noStrike" cap="none">
               <a:solidFill>
@@ -10075,7 +10036,7 @@
                 <a:cs typeface="Arial"/>
                 <a:sym typeface="Arial"/>
               </a:rPr>
-              <a:t>‹#›</a:t>
+              <a:t>‹nr.›</a:t>
             </a:fld>
             <a:endParaRPr lang="en-GB" sz="1400" b="0" i="0" u="none" strike="noStrike" cap="none">
               <a:solidFill>
@@ -10630,7 +10591,7 @@
                 <a:cs typeface="Arial"/>
                 <a:sym typeface="Arial"/>
               </a:rPr>
-              <a:t>‹#›</a:t>
+              <a:t>‹nr.›</a:t>
             </a:fld>
             <a:endParaRPr lang="en-GB" sz="1000" b="0" i="0" u="none" strike="noStrike" cap="none">
               <a:solidFill>
@@ -11560,6 +11521,152 @@
             </a:r>
             <a:r>
               <a:rPr lang="nl-NL" dirty="0" smtClean="0"/>
+              <a:t>-first</a:t>
+            </a:r>
+            <a:endParaRPr lang="nl-NL" dirty="0"/>
+          </a:p>
+        </p:txBody>
+      </p:sp>
+      <p:pic>
+        <p:nvPicPr>
+          <p:cNvPr id="1027" name="Picture 3"/>
+          <p:cNvPicPr>
+            <a:picLocks noChangeAspect="1" noChangeArrowheads="1"/>
+          </p:cNvPicPr>
+          <p:nvPr/>
+        </p:nvPicPr>
+        <p:blipFill rotWithShape="1">
+          <a:blip r:embed="rId2">
+            <a:extLst>
+              <a:ext uri="{28A0092B-C50C-407E-A947-70E740481C1C}">
+                <a14:useLocalDpi xmlns:a14="http://schemas.microsoft.com/office/drawing/2010/main" val="0"/>
+              </a:ext>
+            </a:extLst>
+          </a:blip>
+          <a:srcRect l="11071" r="21920"/>
+          <a:stretch/>
+        </p:blipFill>
+        <p:spPr bwMode="auto">
+          <a:xfrm>
+            <a:off x="529027" y="1301282"/>
+            <a:ext cx="4186989" cy="2857500"/>
+          </a:xfrm>
+          <a:prstGeom prst="rect">
+            <a:avLst/>
+          </a:prstGeom>
+          <a:noFill/>
+          <a:ln>
+            <a:noFill/>
+          </a:ln>
+          <a:extLst>
+            <a:ext uri="{909E8E84-426E-40DD-AFC4-6F175D3DCCD1}">
+              <a14:hiddenFill xmlns:a14="http://schemas.microsoft.com/office/drawing/2010/main">
+                <a:solidFill>
+                  <a:schemeClr val="accent1"/>
+                </a:solidFill>
+              </a14:hiddenFill>
+            </a:ext>
+            <a:ext uri="{91240B29-F687-4F45-9708-019B960494DF}">
+              <a14:hiddenLine xmlns:a14="http://schemas.microsoft.com/office/drawing/2010/main" w="9525">
+                <a:solidFill>
+                  <a:schemeClr val="tx1"/>
+                </a:solidFill>
+                <a:miter lim="800000"/>
+                <a:headEnd/>
+                <a:tailEnd/>
+              </a14:hiddenLine>
+            </a:ext>
+          </a:extLst>
+        </p:spPr>
+      </p:pic>
+      <p:pic>
+        <p:nvPicPr>
+          <p:cNvPr id="4" name="Afbeelding 3"/>
+          <p:cNvPicPr>
+            <a:picLocks noChangeAspect="1"/>
+          </p:cNvPicPr>
+          <p:nvPr/>
+        </p:nvPicPr>
+        <p:blipFill>
+          <a:blip r:embed="rId3">
+            <a:extLst>
+              <a:ext uri="{28A0092B-C50C-407E-A947-70E740481C1C}">
+                <a14:useLocalDpi xmlns:a14="http://schemas.microsoft.com/office/drawing/2010/main" val="0"/>
+              </a:ext>
+            </a:extLst>
+          </a:blip>
+          <a:stretch>
+            <a:fillRect/>
+          </a:stretch>
+        </p:blipFill>
+        <p:spPr>
+          <a:xfrm>
+            <a:off x="4716016" y="195486"/>
+            <a:ext cx="4680520" cy="4680520"/>
+          </a:xfrm>
+          <a:prstGeom prst="rect">
+            <a:avLst/>
+          </a:prstGeom>
+        </p:spPr>
+      </p:pic>
+    </p:spTree>
+    <p:extLst>
+      <p:ext uri="{BB962C8B-B14F-4D97-AF65-F5344CB8AC3E}">
+        <p14:creationId xmlns:p14="http://schemas.microsoft.com/office/powerpoint/2010/main" val="1399083539"/>
+      </p:ext>
+    </p:extLst>
+  </p:cSld>
+  <p:clrMapOvr>
+    <a:masterClrMapping/>
+  </p:clrMapOvr>
+  <p:timing>
+    <p:tnLst>
+      <p:par>
+        <p:cTn id="1" dur="indefinite" restart="never" nodeType="tmRoot"/>
+      </p:par>
+    </p:tnLst>
+  </p:timing>
+</p:sld>
+</file>
+
+<file path=ppt/slides/slide12.xml><?xml version="1.0" encoding="utf-8"?>
+<p:sld xmlns:a="http://schemas.openxmlformats.org/drawingml/2006/main" xmlns:r="http://schemas.openxmlformats.org/officeDocument/2006/relationships" xmlns:p="http://schemas.openxmlformats.org/presentationml/2006/main">
+  <p:cSld>
+    <p:spTree>
+      <p:nvGrpSpPr>
+        <p:cNvPr id="1" name=""/>
+        <p:cNvGrpSpPr/>
+        <p:nvPr/>
+      </p:nvGrpSpPr>
+      <p:grpSpPr>
+        <a:xfrm>
+          <a:off x="0" y="0"/>
+          <a:ext cx="0" cy="0"/>
+          <a:chOff x="0" y="0"/>
+          <a:chExt cx="0" cy="0"/>
+        </a:xfrm>
+      </p:grpSpPr>
+      <p:sp>
+        <p:nvSpPr>
+          <p:cNvPr id="2" name="Titel 1"/>
+          <p:cNvSpPr>
+            <a:spLocks noGrp="1"/>
+          </p:cNvSpPr>
+          <p:nvPr>
+            <p:ph type="title"/>
+          </p:nvPr>
+        </p:nvSpPr>
+        <p:spPr/>
+        <p:txBody>
+          <a:bodyPr/>
+          <a:lstStyle/>
+          <a:p>
+            <a:r>
+              <a:rPr lang="nl-NL" dirty="0" err="1" smtClean="0"/>
+              <a:t>Breadth</a:t>
+            </a:r>
+            <a:r>
+              <a:rPr lang="nl-NL" dirty="0" smtClean="0"/>
               <a:t>-first resultaten</a:t>
             </a:r>
             <a:br>
@@ -11749,7 +11856,7 @@
 </p:sld>
 </file>
 
-<file path=ppt/slides/slide12.xml><?xml version="1.0" encoding="utf-8"?>
+<file path=ppt/slides/slide13.xml><?xml version="1.0" encoding="utf-8"?>
 <p:sld xmlns:a="http://schemas.openxmlformats.org/drawingml/2006/main" xmlns:r="http://schemas.openxmlformats.org/officeDocument/2006/relationships" xmlns:p="http://schemas.openxmlformats.org/presentationml/2006/main">
   <p:cSld>
     <p:spTree>
@@ -12235,10 +12342,17 @@
   <p:clrMapOvr>
     <a:masterClrMapping/>
   </p:clrMapOvr>
+  <p:timing>
+    <p:tnLst>
+      <p:par>
+        <p:cTn id="1" dur="indefinite" restart="never" nodeType="tmRoot"/>
+      </p:par>
+    </p:tnLst>
+  </p:timing>
 </p:sld>
 </file>
 
-<file path=ppt/slides/slide13.xml><?xml version="1.0" encoding="utf-8"?>
+<file path=ppt/slides/slide14.xml><?xml version="1.0" encoding="utf-8"?>
 <p:sld xmlns:a="http://schemas.openxmlformats.org/drawingml/2006/main" xmlns:r="http://schemas.openxmlformats.org/officeDocument/2006/relationships" xmlns:p="http://schemas.openxmlformats.org/presentationml/2006/main">
   <p:cSld>
     <p:spTree>
@@ -14179,6 +14293,13 @@
   <p:clrMapOvr>
     <a:masterClrMapping/>
   </p:clrMapOvr>
+  <p:timing>
+    <p:tnLst>
+      <p:par>
+        <p:cTn id="1" dur="indefinite" restart="never" nodeType="tmRoot"/>
+      </p:par>
+    </p:tnLst>
+  </p:timing>
 </p:sld>
 </file>
 

--- a/Presentatie_On_Track.pptx
+++ b/Presentatie_On_Track.pptx
@@ -229,7 +229,7 @@
   </p:defaultTextStyle>
   <p:extLst>
     <p:ext uri="{EFAFB233-063F-42B5-8137-9DF3F51BA10A}">
-      <p15:sldGuideLst xmlns:p15="http://schemas.microsoft.com/office/powerpoint/2012/main" xmlns="">
+      <p15:sldGuideLst xmlns="" xmlns:p15="http://schemas.microsoft.com/office/powerpoint/2012/main">
         <p15:guide id="1" orient="horz" pos="1620">
           <p15:clr>
             <a:srgbClr val="A4A3A4"/>
@@ -3310,11 +3310,11 @@
           <c:showPercent val="0"/>
           <c:showBubbleSize val="0"/>
         </c:dLbls>
-        <c:axId val="279462656"/>
-        <c:axId val="279464576"/>
+        <c:axId val="256005632"/>
+        <c:axId val="302236800"/>
       </c:scatterChart>
       <c:valAx>
-        <c:axId val="279462656"/>
+        <c:axId val="256005632"/>
         <c:scaling>
           <c:orientation val="minMax"/>
         </c:scaling>
@@ -3406,12 +3406,12 @@
             <a:endParaRPr lang="nl-NL"/>
           </a:p>
         </c:txPr>
-        <c:crossAx val="279464576"/>
+        <c:crossAx val="302236800"/>
         <c:crosses val="autoZero"/>
         <c:crossBetween val="midCat"/>
       </c:valAx>
       <c:valAx>
-        <c:axId val="279464576"/>
+        <c:axId val="302236800"/>
         <c:scaling>
           <c:orientation val="minMax"/>
         </c:scaling>
@@ -3504,7 +3504,7 @@
             <a:endParaRPr lang="nl-NL"/>
           </a:p>
         </c:txPr>
-        <c:crossAx val="279462656"/>
+        <c:crossAx val="256005632"/>
         <c:crosses val="autoZero"/>
         <c:crossBetween val="midCat"/>
       </c:valAx>
@@ -11656,7 +11656,12 @@
             <p:ph type="title"/>
           </p:nvPr>
         </p:nvSpPr>
-        <p:spPr/>
+        <p:spPr>
+          <a:xfrm>
+            <a:off x="311700" y="141580"/>
+            <a:ext cx="8520600" cy="629970"/>
+          </a:xfrm>
+        </p:spPr>
         <p:txBody>
           <a:bodyPr/>
           <a:lstStyle/>
@@ -11704,7 +11709,7 @@
         </p:blipFill>
         <p:spPr>
           <a:xfrm>
-            <a:off x="179512" y="1275606"/>
+            <a:off x="179512" y="1347614"/>
             <a:ext cx="3599035" cy="3470498"/>
           </a:xfrm>
           <a:prstGeom prst="rect">
@@ -11836,6 +11841,36 @@
           </a:p>
         </p:txBody>
       </p:sp>
+      <p:pic>
+        <p:nvPicPr>
+          <p:cNvPr id="3" name="Afbeelding 2"/>
+          <p:cNvPicPr>
+            <a:picLocks noChangeAspect="1"/>
+          </p:cNvPicPr>
+          <p:nvPr/>
+        </p:nvPicPr>
+        <p:blipFill>
+          <a:blip r:embed="rId4">
+            <a:extLst>
+              <a:ext uri="{28A0092B-C50C-407E-A947-70E740481C1C}">
+                <a14:useLocalDpi xmlns:a14="http://schemas.microsoft.com/office/drawing/2010/main" val="0"/>
+              </a:ext>
+            </a:extLst>
+          </a:blip>
+          <a:stretch>
+            <a:fillRect/>
+          </a:stretch>
+        </p:blipFill>
+        <p:spPr>
+          <a:xfrm>
+            <a:off x="323528" y="810138"/>
+            <a:ext cx="8568952" cy="368716"/>
+          </a:xfrm>
+          <a:prstGeom prst="rect">
+            <a:avLst/>
+          </a:prstGeom>
+        </p:spPr>
+      </p:pic>
     </p:spTree>
     <p:extLst>
       <p:ext uri="{BB962C8B-B14F-4D97-AF65-F5344CB8AC3E}">
